--- a/Lesson/HTML/2.pptx
+++ b/Lesson/HTML/2.pptx
@@ -6,12 +6,14 @@
   </p:sldMasterIdLst>
   <p:sldIdLst>
     <p:sldId id="256" r:id="rId2"/>
-    <p:sldId id="286" r:id="rId3"/>
-    <p:sldId id="284" r:id="rId4"/>
-    <p:sldId id="285" r:id="rId5"/>
-    <p:sldId id="287" r:id="rId6"/>
-    <p:sldId id="288" r:id="rId7"/>
-    <p:sldId id="289" r:id="rId8"/>
+    <p:sldId id="291" r:id="rId3"/>
+    <p:sldId id="286" r:id="rId4"/>
+    <p:sldId id="284" r:id="rId5"/>
+    <p:sldId id="285" r:id="rId6"/>
+    <p:sldId id="287" r:id="rId7"/>
+    <p:sldId id="288" r:id="rId8"/>
+    <p:sldId id="290" r:id="rId9"/>
+    <p:sldId id="289" r:id="rId10"/>
   </p:sldIdLst>
   <p:sldSz cx="12192000" cy="6858000"/>
   <p:notesSz cx="6858000" cy="9144000"/>
@@ -4394,7 +4396,7 @@
           <a:p>
             <a:fld id="{48A87A34-81AB-432B-8DAE-1953F412C126}" type="datetimeFigureOut">
               <a:rPr lang="en-US" dirty="0"/>
-              <a:t>7/1/2020</a:t>
+              <a:t>7/2/2020</a:t>
             </a:fld>
             <a:endParaRPr lang="en-US" dirty="0"/>
           </a:p>
@@ -4656,7 +4658,7 @@
           <a:p>
             <a:fld id="{48A87A34-81AB-432B-8DAE-1953F412C126}" type="datetimeFigureOut">
               <a:rPr lang="en-US" dirty="0"/>
-              <a:t>7/1/2020</a:t>
+              <a:t>7/2/2020</a:t>
             </a:fld>
             <a:endParaRPr lang="en-US" dirty="0"/>
           </a:p>
@@ -4847,7 +4849,7 @@
           <a:p>
             <a:fld id="{48A87A34-81AB-432B-8DAE-1953F412C126}" type="datetimeFigureOut">
               <a:rPr lang="en-US" dirty="0"/>
-              <a:t>7/1/2020</a:t>
+              <a:t>7/2/2020</a:t>
             </a:fld>
             <a:endParaRPr lang="en-US" dirty="0"/>
           </a:p>
@@ -5105,7 +5107,7 @@
           <a:p>
             <a:fld id="{48A87A34-81AB-432B-8DAE-1953F412C126}" type="datetimeFigureOut">
               <a:rPr lang="en-US" dirty="0"/>
-              <a:t>7/1/2020</a:t>
+              <a:t>7/2/2020</a:t>
             </a:fld>
             <a:endParaRPr lang="en-US" dirty="0"/>
           </a:p>
@@ -5534,7 +5536,7 @@
           <a:p>
             <a:fld id="{48A87A34-81AB-432B-8DAE-1953F412C126}" type="datetimeFigureOut">
               <a:rPr lang="en-US" dirty="0"/>
-              <a:t>7/1/2020</a:t>
+              <a:t>7/2/2020</a:t>
             </a:fld>
             <a:endParaRPr lang="en-US" dirty="0"/>
           </a:p>
@@ -6075,7 +6077,7 @@
           <a:p>
             <a:fld id="{48A87A34-81AB-432B-8DAE-1953F412C126}" type="datetimeFigureOut">
               <a:rPr lang="en-US" dirty="0"/>
-              <a:t>7/1/2020</a:t>
+              <a:t>7/2/2020</a:t>
             </a:fld>
             <a:endParaRPr lang="en-US" dirty="0"/>
           </a:p>
@@ -6790,7 +6792,7 @@
           <a:p>
             <a:fld id="{48A87A34-81AB-432B-8DAE-1953F412C126}" type="datetimeFigureOut">
               <a:rPr lang="en-US" dirty="0"/>
-              <a:t>7/1/2020</a:t>
+              <a:t>7/2/2020</a:t>
             </a:fld>
             <a:endParaRPr lang="en-US" dirty="0"/>
           </a:p>
@@ -6955,7 +6957,7 @@
           <a:p>
             <a:fld id="{48A87A34-81AB-432B-8DAE-1953F412C126}" type="datetimeFigureOut">
               <a:rPr lang="en-US" dirty="0"/>
-              <a:t>7/1/2020</a:t>
+              <a:t>7/2/2020</a:t>
             </a:fld>
             <a:endParaRPr lang="en-US" dirty="0"/>
           </a:p>
@@ -7130,7 +7132,7 @@
           <a:p>
             <a:fld id="{48A87A34-81AB-432B-8DAE-1953F412C126}" type="datetimeFigureOut">
               <a:rPr lang="en-US" dirty="0"/>
-              <a:t>7/1/2020</a:t>
+              <a:t>7/2/2020</a:t>
             </a:fld>
             <a:endParaRPr lang="en-US" dirty="0"/>
           </a:p>
@@ -7295,7 +7297,7 @@
           <a:p>
             <a:fld id="{48A87A34-81AB-432B-8DAE-1953F412C126}" type="datetimeFigureOut">
               <a:rPr lang="en-US" dirty="0"/>
-              <a:t>7/1/2020</a:t>
+              <a:t>7/2/2020</a:t>
             </a:fld>
             <a:endParaRPr lang="en-US" dirty="0"/>
           </a:p>
@@ -7540,7 +7542,7 @@
           <a:p>
             <a:fld id="{48A87A34-81AB-432B-8DAE-1953F412C126}" type="datetimeFigureOut">
               <a:rPr lang="en-US" dirty="0"/>
-              <a:t>7/1/2020</a:t>
+              <a:t>7/2/2020</a:t>
             </a:fld>
             <a:endParaRPr lang="en-US" dirty="0"/>
           </a:p>
@@ -7767,7 +7769,7 @@
           <a:p>
             <a:fld id="{48A87A34-81AB-432B-8DAE-1953F412C126}" type="datetimeFigureOut">
               <a:rPr lang="en-US" dirty="0"/>
-              <a:t>7/1/2020</a:t>
+              <a:t>7/2/2020</a:t>
             </a:fld>
             <a:endParaRPr lang="en-US" dirty="0"/>
           </a:p>
@@ -8143,7 +8145,7 @@
           <a:p>
             <a:fld id="{48A87A34-81AB-432B-8DAE-1953F412C126}" type="datetimeFigureOut">
               <a:rPr lang="en-US" dirty="0"/>
-              <a:t>7/1/2020</a:t>
+              <a:t>7/2/2020</a:t>
             </a:fld>
             <a:endParaRPr lang="en-US" dirty="0"/>
           </a:p>
@@ -8256,7 +8258,7 @@
           <a:p>
             <a:fld id="{48A87A34-81AB-432B-8DAE-1953F412C126}" type="datetimeFigureOut">
               <a:rPr lang="en-US" dirty="0"/>
-              <a:t>7/1/2020</a:t>
+              <a:t>7/2/2020</a:t>
             </a:fld>
             <a:endParaRPr lang="en-US" dirty="0"/>
           </a:p>
@@ -8346,7 +8348,7 @@
           <a:p>
             <a:fld id="{48A87A34-81AB-432B-8DAE-1953F412C126}" type="datetimeFigureOut">
               <a:rPr lang="en-US" dirty="0"/>
-              <a:t>7/1/2020</a:t>
+              <a:t>7/2/2020</a:t>
             </a:fld>
             <a:endParaRPr lang="en-US" dirty="0"/>
           </a:p>
@@ -8590,7 +8592,7 @@
           <a:p>
             <a:fld id="{48A87A34-81AB-432B-8DAE-1953F412C126}" type="datetimeFigureOut">
               <a:rPr lang="en-US" dirty="0"/>
-              <a:t>7/1/2020</a:t>
+              <a:t>7/2/2020</a:t>
             </a:fld>
             <a:endParaRPr lang="en-US" dirty="0"/>
           </a:p>
@@ -8865,7 +8867,7 @@
           <a:p>
             <a:fld id="{48A87A34-81AB-432B-8DAE-1953F412C126}" type="datetimeFigureOut">
               <a:rPr lang="en-US" dirty="0"/>
-              <a:t>7/1/2020</a:t>
+              <a:t>7/2/2020</a:t>
             </a:fld>
             <a:endParaRPr lang="en-US" dirty="0"/>
           </a:p>
@@ -11938,7 +11940,7 @@
             <a:fld id="{48A87A34-81AB-432B-8DAE-1953F412C126}" type="datetimeFigureOut">
               <a:rPr lang="en-US" dirty="0"/>
               <a:pPr/>
-              <a:t>7/1/2020</a:t>
+              <a:t>7/2/2020</a:t>
             </a:fld>
             <a:endParaRPr lang="en-US" dirty="0"/>
           </a:p>
@@ -12439,12 +12441,8 @@
           <a:lstStyle/>
           <a:p>
             <a:r>
-              <a:rPr kumimoji="1" lang="en-US" altLang="zh-CN" dirty="0"/>
-              <a:t>HTML</a:t>
-            </a:r>
-            <a:r>
-              <a:rPr kumimoji="1" lang="zh-CN" altLang="en-US" dirty="0"/>
-              <a:t>一些补充</a:t>
+              <a:rPr lang="zh-CN" altLang="en-US" dirty="0" smtClean="0"/>
+              <a:t>作业回顾</a:t>
             </a:r>
             <a:endParaRPr lang="zh-CN" altLang="en-US" dirty="0"/>
           </a:p>
@@ -12462,43 +12460,176 @@
         </p:nvSpPr>
         <p:spPr/>
         <p:txBody>
-          <a:bodyPr/>
+          <a:bodyPr>
+            <a:normAutofit fontScale="85000" lnSpcReduction="20000"/>
+          </a:bodyPr>
           <a:lstStyle/>
           <a:p>
             <a:r>
-              <a:rPr lang="en-US" altLang="zh-CN" dirty="0" smtClean="0"/>
-              <a:t>HTML</a:t>
-            </a:r>
-            <a:r>
-              <a:rPr lang="zh-CN" altLang="en-US" dirty="0" smtClean="0"/>
-              <a:t>转义</a:t>
-            </a:r>
-            <a:endParaRPr lang="en-US" altLang="zh-CN" dirty="0" smtClean="0"/>
-          </a:p>
-          <a:p>
-            <a:r>
-              <a:rPr lang="en-US" altLang="zh-CN" dirty="0" smtClean="0"/>
-              <a:t>HTML id</a:t>
-            </a:r>
-            <a:r>
-              <a:rPr lang="zh-CN" altLang="en-US" dirty="0" smtClean="0"/>
-              <a:t>重复</a:t>
-            </a:r>
-            <a:endParaRPr lang="en-US" altLang="zh-CN" dirty="0" smtClean="0"/>
-          </a:p>
-          <a:p>
+              <a:rPr lang="en-US" altLang="zh-CN" dirty="0" err="1"/>
+              <a:t>blackpink</a:t>
+            </a:r>
+            <a:r>
+              <a:rPr lang="en-US" altLang="zh-CN" dirty="0"/>
+              <a:t>,</a:t>
+            </a:r>
             <a:r>
               <a:rPr lang="zh-CN" altLang="en-US" dirty="0"/>
-              <a:t>页面目录跳转</a:t>
-            </a:r>
-            <a:endParaRPr lang="zh-CN" altLang="en-US" dirty="0"/>
+              <a:t>撒贝宁</a:t>
+            </a:r>
+            <a:r>
+              <a:rPr lang="en-US" altLang="zh-CN" dirty="0"/>
+              <a:t>,</a:t>
+            </a:r>
+            <a:r>
+              <a:rPr lang="zh-CN" altLang="en-US" dirty="0"/>
+              <a:t>孔子，毛泽东</a:t>
+            </a:r>
+            <a:r>
+              <a:rPr lang="en-US" altLang="zh-CN" dirty="0"/>
+              <a:t>: </a:t>
+            </a:r>
+            <a:r>
+              <a:rPr lang="zh-CN" altLang="en-US" dirty="0"/>
+              <a:t>行内元素水平对齐</a:t>
+            </a:r>
+          </a:p>
+          <a:p>
+            <a:r>
+              <a:rPr lang="zh-CN" altLang="en-US" dirty="0"/>
+              <a:t>钟南山</a:t>
+            </a:r>
+            <a:r>
+              <a:rPr lang="en-US" altLang="zh-CN" dirty="0"/>
+              <a:t>,</a:t>
+            </a:r>
+            <a:r>
+              <a:rPr lang="zh-CN" altLang="en-US" dirty="0"/>
+              <a:t>梅西： </a:t>
+            </a:r>
+            <a:r>
+              <a:rPr lang="en-US" altLang="zh-CN" dirty="0"/>
+              <a:t>float</a:t>
+            </a:r>
+          </a:p>
+          <a:p>
+            <a:r>
+              <a:rPr lang="zh-CN" altLang="en-US" dirty="0"/>
+              <a:t>郭艾伦</a:t>
+            </a:r>
+            <a:r>
+              <a:rPr lang="en-US" altLang="zh-CN" dirty="0"/>
+              <a:t>: table</a:t>
+            </a:r>
+          </a:p>
+          <a:p>
+            <a:r>
+              <a:rPr lang="zh-CN" altLang="en-US" dirty="0"/>
+              <a:t>金希澈</a:t>
+            </a:r>
+            <a:r>
+              <a:rPr lang="en-US" altLang="zh-CN" dirty="0"/>
+              <a:t>,</a:t>
+            </a:r>
+            <a:r>
+              <a:rPr lang="zh-CN" altLang="en-US" dirty="0"/>
+              <a:t>钟南山，朱亚文： </a:t>
+            </a:r>
+            <a:r>
+              <a:rPr lang="en-US" altLang="zh-CN" dirty="0"/>
+              <a:t>div id</a:t>
+            </a:r>
+          </a:p>
+          <a:p>
+            <a:r>
+              <a:rPr lang="zh-CN" altLang="en-US" dirty="0"/>
+              <a:t>图灵： </a:t>
+            </a:r>
+            <a:r>
+              <a:rPr lang="en-US" altLang="zh-CN" dirty="0"/>
+              <a:t>&lt;</a:t>
+            </a:r>
+            <a:r>
+              <a:rPr lang="en-US" altLang="zh-CN" dirty="0" err="1"/>
+              <a:t>ul</a:t>
+            </a:r>
+            <a:r>
+              <a:rPr lang="en-US" altLang="zh-CN" dirty="0"/>
+              <a:t>&gt;</a:t>
+            </a:r>
+          </a:p>
+          <a:p>
+            <a:r>
+              <a:rPr lang="zh-CN" altLang="en-US" dirty="0"/>
+              <a:t>乔丹：</a:t>
+            </a:r>
+            <a:r>
+              <a:rPr lang="en-US" altLang="zh-CN" dirty="0"/>
+              <a:t>&lt;aside&gt; html5</a:t>
+            </a:r>
+            <a:r>
+              <a:rPr lang="zh-CN" altLang="en-US" dirty="0"/>
+              <a:t>新标签 </a:t>
+            </a:r>
+            <a:r>
+              <a:rPr lang="en-US" altLang="zh-CN" dirty="0"/>
+              <a:t>&lt;section&gt;</a:t>
+            </a:r>
+          </a:p>
+          <a:p>
+            <a:r>
+              <a:rPr lang="zh-CN" altLang="en-US" dirty="0"/>
+              <a:t>毛泽东</a:t>
+            </a:r>
+            <a:r>
+              <a:rPr lang="en-US" altLang="zh-CN" dirty="0"/>
+              <a:t>,</a:t>
+            </a:r>
+            <a:r>
+              <a:rPr lang="zh-CN" altLang="en-US" dirty="0"/>
+              <a:t>鲁迅： </a:t>
+            </a:r>
+            <a:r>
+              <a:rPr lang="en-US" altLang="zh-CN" dirty="0"/>
+              <a:t>align</a:t>
+            </a:r>
+            <a:r>
+              <a:rPr lang="zh-CN" altLang="en-US" dirty="0"/>
+              <a:t>属性     </a:t>
+            </a:r>
+            <a:r>
+              <a:rPr lang="en-US" altLang="zh-CN" dirty="0"/>
+              <a:t>https://www.w3school.com.cn/tags/att_div_align.asp</a:t>
+            </a:r>
+          </a:p>
+          <a:p>
+            <a:r>
+              <a:rPr lang="zh-CN" altLang="en-US" dirty="0"/>
+              <a:t>韦德，罗宾</a:t>
+            </a:r>
+            <a:r>
+              <a:rPr lang="en-US" altLang="zh-CN" dirty="0"/>
+              <a:t>·</a:t>
+            </a:r>
+            <a:r>
+              <a:rPr lang="zh-CN" altLang="en-US" dirty="0"/>
+              <a:t>威廉姆斯： </a:t>
+            </a:r>
+            <a:r>
+              <a:rPr lang="en-US" altLang="zh-CN" dirty="0"/>
+              <a:t>p</a:t>
+            </a:r>
+            <a:r>
+              <a:rPr lang="zh-CN" altLang="en-US" dirty="0"/>
+              <a:t>样式</a:t>
+            </a:r>
           </a:p>
         </p:txBody>
       </p:sp>
     </p:spTree>
     <p:extLst>
       <p:ext uri="{BB962C8B-B14F-4D97-AF65-F5344CB8AC3E}">
-        <p14:creationId xmlns:p14="http://schemas.microsoft.com/office/powerpoint/2010/main" val="904788266"/>
+        <p14:creationId xmlns:p14="http://schemas.microsoft.com/office/powerpoint/2010/main" val="3574997860"/>
       </p:ext>
     </p:extLst>
   </p:cSld>
@@ -12541,12 +12672,12 @@
           <a:lstStyle/>
           <a:p>
             <a:r>
-              <a:rPr lang="en-US" altLang="zh-CN" dirty="0" err="1" smtClean="0"/>
-              <a:t>HTMl</a:t>
-            </a:r>
-            <a:r>
-              <a:rPr lang="zh-CN" altLang="en-US" dirty="0" smtClean="0"/>
-              <a:t>转义</a:t>
+              <a:rPr kumimoji="1" lang="en-US" altLang="zh-CN" dirty="0"/>
+              <a:t>HTML</a:t>
+            </a:r>
+            <a:r>
+              <a:rPr kumimoji="1" lang="zh-CN" altLang="en-US" dirty="0"/>
+              <a:t>一些补充</a:t>
             </a:r>
             <a:endParaRPr lang="zh-CN" altLang="en-US" dirty="0"/>
           </a:p>
@@ -12568,45 +12699,53 @@
           <a:lstStyle/>
           <a:p>
             <a:r>
+              <a:rPr lang="en-US" altLang="zh-CN" dirty="0" smtClean="0"/>
+              <a:t>HTML</a:t>
+            </a:r>
+            <a:r>
               <a:rPr lang="zh-CN" altLang="en-US" dirty="0" smtClean="0"/>
-              <a:t>假如我想在页面上显示下面这段文字，应该怎么办呢？ </a:t>
+              <a:t>转义</a:t>
             </a:r>
             <a:endParaRPr lang="en-US" altLang="zh-CN" dirty="0" smtClean="0"/>
           </a:p>
           <a:p>
             <a:r>
               <a:rPr lang="en-US" altLang="zh-CN" dirty="0" smtClean="0"/>
-              <a:t>&lt;span&gt;</a:t>
-            </a:r>
+              <a:t>HTML id</a:t>
+            </a:r>
+            <a:r>
+              <a:rPr lang="zh-CN" altLang="en-US" dirty="0" smtClean="0"/>
+              <a:t>重复</a:t>
+            </a:r>
+            <a:endParaRPr lang="en-US" altLang="zh-CN" dirty="0" smtClean="0"/>
+          </a:p>
+          <a:p>
             <a:r>
               <a:rPr lang="zh-CN" altLang="en-US" dirty="0"/>
-              <a:t>我</a:t>
+              <a:t>页面目录跳</a:t>
             </a:r>
             <a:r>
               <a:rPr lang="zh-CN" altLang="en-US" dirty="0" smtClean="0"/>
-              <a:t>是</a:t>
-            </a:r>
-            <a:r>
-              <a:rPr lang="en-US" altLang="zh-CN" dirty="0" smtClean="0"/>
-              <a:t>span</a:t>
+              <a:t>转</a:t>
+            </a:r>
+            <a:endParaRPr lang="en-US" altLang="zh-CN" dirty="0" smtClean="0"/>
+          </a:p>
+          <a:p>
+            <a:r>
+              <a:rPr lang="en-US" altLang="zh-CN" dirty="0" err="1" smtClean="0"/>
+              <a:t>Display:inline-block</a:t>
             </a:r>
             <a:r>
               <a:rPr lang="zh-CN" altLang="en-US" dirty="0" smtClean="0"/>
-              <a:t>标签包裹的内容</a:t>
-            </a:r>
-            <a:r>
-              <a:rPr lang="en-US" altLang="zh-CN" dirty="0" smtClean="0"/>
-              <a:t>&lt;/span&gt;</a:t>
-            </a:r>
-          </a:p>
-          <a:p>
+              <a:t>和</a:t>
+            </a:r>
+            <a:r>
+              <a:rPr lang="en-US" altLang="zh-CN" dirty="0" err="1" smtClean="0"/>
+              <a:t>float:left</a:t>
+            </a:r>
             <a:r>
               <a:rPr lang="zh-CN" altLang="en-US" dirty="0" smtClean="0"/>
-              <a:t>例</a:t>
-            </a:r>
-            <a:r>
-              <a:rPr lang="en-US" altLang="zh-CN" dirty="0" smtClean="0"/>
-              <a:t>14</a:t>
+              <a:t>有啥区别？</a:t>
             </a:r>
             <a:endParaRPr lang="zh-CN" altLang="en-US" dirty="0"/>
           </a:p>
@@ -12615,7 +12754,7 @@
     </p:spTree>
     <p:extLst>
       <p:ext uri="{BB962C8B-B14F-4D97-AF65-F5344CB8AC3E}">
-        <p14:creationId xmlns:p14="http://schemas.microsoft.com/office/powerpoint/2010/main" val="2176341907"/>
+        <p14:creationId xmlns:p14="http://schemas.microsoft.com/office/powerpoint/2010/main" val="904788266"/>
       </p:ext>
     </p:extLst>
   </p:cSld>
@@ -12658,6 +12797,123 @@
           <a:lstStyle/>
           <a:p>
             <a:r>
+              <a:rPr lang="en-US" altLang="zh-CN" dirty="0" err="1" smtClean="0"/>
+              <a:t>HTMl</a:t>
+            </a:r>
+            <a:r>
+              <a:rPr lang="zh-CN" altLang="en-US" dirty="0" smtClean="0"/>
+              <a:t>转义</a:t>
+            </a:r>
+            <a:endParaRPr lang="zh-CN" altLang="en-US" dirty="0"/>
+          </a:p>
+        </p:txBody>
+      </p:sp>
+      <p:sp>
+        <p:nvSpPr>
+          <p:cNvPr id="3" name="内容占位符 2"/>
+          <p:cNvSpPr>
+            <a:spLocks noGrp="1"/>
+          </p:cNvSpPr>
+          <p:nvPr>
+            <p:ph idx="1"/>
+          </p:nvPr>
+        </p:nvSpPr>
+        <p:spPr/>
+        <p:txBody>
+          <a:bodyPr/>
+          <a:lstStyle/>
+          <a:p>
+            <a:r>
+              <a:rPr lang="zh-CN" altLang="en-US" dirty="0" smtClean="0"/>
+              <a:t>假如我想在页面上显示下面这段文字，应该怎么办呢？ </a:t>
+            </a:r>
+            <a:endParaRPr lang="en-US" altLang="zh-CN" dirty="0" smtClean="0"/>
+          </a:p>
+          <a:p>
+            <a:r>
+              <a:rPr lang="en-US" altLang="zh-CN" dirty="0" smtClean="0"/>
+              <a:t>&lt;span&gt;</a:t>
+            </a:r>
+            <a:r>
+              <a:rPr lang="zh-CN" altLang="en-US" dirty="0"/>
+              <a:t>我</a:t>
+            </a:r>
+            <a:r>
+              <a:rPr lang="zh-CN" altLang="en-US" dirty="0" smtClean="0"/>
+              <a:t>是</a:t>
+            </a:r>
+            <a:r>
+              <a:rPr lang="en-US" altLang="zh-CN" dirty="0" smtClean="0"/>
+              <a:t>span</a:t>
+            </a:r>
+            <a:r>
+              <a:rPr lang="zh-CN" altLang="en-US" dirty="0" smtClean="0"/>
+              <a:t>标签包裹的内容</a:t>
+            </a:r>
+            <a:r>
+              <a:rPr lang="en-US" altLang="zh-CN" dirty="0" smtClean="0"/>
+              <a:t>&lt;/span&gt;</a:t>
+            </a:r>
+          </a:p>
+          <a:p>
+            <a:r>
+              <a:rPr lang="zh-CN" altLang="en-US" dirty="0" smtClean="0"/>
+              <a:t>例</a:t>
+            </a:r>
+            <a:r>
+              <a:rPr lang="en-US" altLang="zh-CN" dirty="0" smtClean="0"/>
+              <a:t>14</a:t>
+            </a:r>
+            <a:endParaRPr lang="zh-CN" altLang="en-US" dirty="0"/>
+          </a:p>
+        </p:txBody>
+      </p:sp>
+    </p:spTree>
+    <p:extLst>
+      <p:ext uri="{BB962C8B-B14F-4D97-AF65-F5344CB8AC3E}">
+        <p14:creationId xmlns:p14="http://schemas.microsoft.com/office/powerpoint/2010/main" val="2176341907"/>
+      </p:ext>
+    </p:extLst>
+  </p:cSld>
+  <p:clrMapOvr>
+    <a:masterClrMapping/>
+  </p:clrMapOvr>
+</p:sld>
+</file>
+
+<file path=ppt/slides/slide5.xml><?xml version="1.0" encoding="utf-8"?>
+<p:sld xmlns:a="http://schemas.openxmlformats.org/drawingml/2006/main" xmlns:r="http://schemas.openxmlformats.org/officeDocument/2006/relationships" xmlns:p="http://schemas.openxmlformats.org/presentationml/2006/main">
+  <p:cSld>
+    <p:spTree>
+      <p:nvGrpSpPr>
+        <p:cNvPr id="1" name=""/>
+        <p:cNvGrpSpPr/>
+        <p:nvPr/>
+      </p:nvGrpSpPr>
+      <p:grpSpPr>
+        <a:xfrm>
+          <a:off x="0" y="0"/>
+          <a:ext cx="0" cy="0"/>
+          <a:chOff x="0" y="0"/>
+          <a:chExt cx="0" cy="0"/>
+        </a:xfrm>
+      </p:grpSpPr>
+      <p:sp>
+        <p:nvSpPr>
+          <p:cNvPr id="2" name="标题 1"/>
+          <p:cNvSpPr>
+            <a:spLocks noGrp="1"/>
+          </p:cNvSpPr>
+          <p:nvPr>
+            <p:ph type="title"/>
+          </p:nvPr>
+        </p:nvSpPr>
+        <p:spPr/>
+        <p:txBody>
+          <a:bodyPr/>
+          <a:lstStyle/>
+          <a:p>
+            <a:r>
               <a:rPr lang="zh-CN" altLang="en-US" dirty="0" smtClean="0"/>
               <a:t>常用的</a:t>
             </a:r>
@@ -12683,7 +12939,7 @@
             <p:ph idx="1"/>
             <p:extLst>
               <p:ext uri="{D42A27DB-BD31-4B8C-83A1-F6EECF244321}">
-                <p14:modId xmlns:p14="http://schemas.microsoft.com/office/powerpoint/2010/main" val="1369125433"/>
+                <p14:modId xmlns:p14="http://schemas.microsoft.com/office/powerpoint/2010/main" val="2532846023"/>
               </p:ext>
             </p:extLst>
           </p:nvPr>
@@ -12762,7 +13018,7 @@
                       </a:r>
                       <a:r>
                         <a:rPr lang="en-US" altLang="zh-CN" dirty="0" smtClean="0"/>
-                        <a:t>;</a:t>
+                        <a:t>;(little)</a:t>
                       </a:r>
                       <a:endParaRPr lang="zh-CN" altLang="en-US" dirty="0"/>
                     </a:p>
@@ -12800,7 +13056,7 @@
                       </a:r>
                       <a:r>
                         <a:rPr lang="en-US" altLang="zh-CN" dirty="0" smtClean="0"/>
-                        <a:t>;</a:t>
+                        <a:t>;()greater</a:t>
                       </a:r>
                       <a:endParaRPr lang="zh-CN" altLang="en-US" dirty="0"/>
                     </a:p>
@@ -12931,7 +13187,7 @@
 </p:sld>
 </file>
 
-<file path=ppt/slides/slide5.xml><?xml version="1.0" encoding="utf-8"?>
+<file path=ppt/slides/slide6.xml><?xml version="1.0" encoding="utf-8"?>
 <p:sld xmlns:a="http://schemas.openxmlformats.org/drawingml/2006/main" xmlns:r="http://schemas.openxmlformats.org/officeDocument/2006/relationships" xmlns:p="http://schemas.openxmlformats.org/presentationml/2006/main">
   <p:cSld>
     <p:spTree>
@@ -12973,11 +13229,7 @@
             </a:r>
             <a:r>
               <a:rPr lang="zh-CN" altLang="en-US" dirty="0" smtClean="0"/>
-              <a:t>，那么取值时会选取谁呢</a:t>
-            </a:r>
-            <a:r>
-              <a:rPr lang="zh-CN" altLang="en-US" dirty="0" smtClean="0"/>
-              <a:t>？渲染样式的时候呢？</a:t>
+              <a:t>，那么取值时会选取谁呢？渲染样式的时候呢？</a:t>
             </a:r>
             <a:endParaRPr lang="en-US" altLang="zh-CN" dirty="0" smtClean="0"/>
           </a:p>
@@ -13022,7 +13274,6 @@
               <a:rPr lang="zh-CN" altLang="en-US" dirty="0"/>
               <a:t>重复</a:t>
             </a:r>
-            <a:endParaRPr lang="zh-CN" altLang="en-US" dirty="0"/>
           </a:p>
         </p:txBody>
       </p:sp>
@@ -13039,7 +13290,7 @@
 </p:sld>
 </file>
 
-<file path=ppt/slides/slide6.xml><?xml version="1.0" encoding="utf-8"?>
+<file path=ppt/slides/slide7.xml><?xml version="1.0" encoding="utf-8"?>
 <p:sld xmlns:a="http://schemas.openxmlformats.org/drawingml/2006/main" xmlns:r="http://schemas.openxmlformats.org/officeDocument/2006/relationships" xmlns:p="http://schemas.openxmlformats.org/presentationml/2006/main">
   <p:cSld>
     <p:spTree>
@@ -13129,7 +13380,160 @@
 </p:sld>
 </file>
 
-<file path=ppt/slides/slide7.xml><?xml version="1.0" encoding="utf-8"?>
+<file path=ppt/slides/slide8.xml><?xml version="1.0" encoding="utf-8"?>
+<p:sld xmlns:a="http://schemas.openxmlformats.org/drawingml/2006/main" xmlns:r="http://schemas.openxmlformats.org/officeDocument/2006/relationships" xmlns:p="http://schemas.openxmlformats.org/presentationml/2006/main">
+  <p:cSld>
+    <p:spTree>
+      <p:nvGrpSpPr>
+        <p:cNvPr id="1" name=""/>
+        <p:cNvGrpSpPr/>
+        <p:nvPr/>
+      </p:nvGrpSpPr>
+      <p:grpSpPr>
+        <a:xfrm>
+          <a:off x="0" y="0"/>
+          <a:ext cx="0" cy="0"/>
+          <a:chOff x="0" y="0"/>
+          <a:chExt cx="0" cy="0"/>
+        </a:xfrm>
+      </p:grpSpPr>
+      <p:sp>
+        <p:nvSpPr>
+          <p:cNvPr id="2" name="标题 1"/>
+          <p:cNvSpPr>
+            <a:spLocks noGrp="1"/>
+          </p:cNvSpPr>
+          <p:nvPr>
+            <p:ph type="title"/>
+          </p:nvPr>
+        </p:nvSpPr>
+        <p:spPr/>
+        <p:txBody>
+          <a:bodyPr/>
+          <a:lstStyle/>
+          <a:p>
+            <a:r>
+              <a:rPr lang="en-US" altLang="zh-CN" dirty="0" err="1"/>
+              <a:t>Display:inline-block</a:t>
+            </a:r>
+            <a:r>
+              <a:rPr lang="zh-CN" altLang="en-US" dirty="0"/>
+              <a:t>和</a:t>
+            </a:r>
+            <a:r>
+              <a:rPr lang="en-US" altLang="zh-CN" dirty="0" err="1"/>
+              <a:t>float:left</a:t>
+            </a:r>
+            <a:r>
+              <a:rPr lang="zh-CN" altLang="en-US" dirty="0"/>
+              <a:t>有啥区别</a:t>
+            </a:r>
+            <a:r>
+              <a:rPr lang="zh-CN" altLang="en-US" dirty="0" smtClean="0"/>
+              <a:t>？</a:t>
+            </a:r>
+            <a:endParaRPr lang="zh-CN" altLang="en-US" dirty="0"/>
+          </a:p>
+        </p:txBody>
+      </p:sp>
+      <p:sp>
+        <p:nvSpPr>
+          <p:cNvPr id="3" name="内容占位符 2"/>
+          <p:cNvSpPr>
+            <a:spLocks noGrp="1"/>
+          </p:cNvSpPr>
+          <p:nvPr>
+            <p:ph idx="1"/>
+          </p:nvPr>
+        </p:nvSpPr>
+        <p:spPr/>
+        <p:txBody>
+          <a:bodyPr>
+            <a:normAutofit lnSpcReduction="10000"/>
+          </a:bodyPr>
+          <a:lstStyle/>
+          <a:p>
+            <a:r>
+              <a:rPr lang="en-US" altLang="zh-CN" dirty="0"/>
+              <a:t>inline-block</a:t>
+            </a:r>
+            <a:r>
+              <a:rPr lang="zh-CN" altLang="en-US" dirty="0"/>
+              <a:t>是严格按照从左到右来排列的，即当第一行的位置容不下时，盒子会从第二行的最左边开始</a:t>
+            </a:r>
+            <a:r>
+              <a:rPr lang="zh-CN" altLang="en-US" dirty="0" smtClean="0"/>
+              <a:t>排列</a:t>
+            </a:r>
+            <a:endParaRPr lang="en-US" altLang="zh-CN" dirty="0" smtClean="0"/>
+          </a:p>
+          <a:p>
+            <a:r>
+              <a:rPr lang="en-US" altLang="zh-CN" dirty="0"/>
+              <a:t>float</a:t>
+            </a:r>
+            <a:r>
+              <a:rPr lang="zh-CN" altLang="en-US" dirty="0"/>
+              <a:t>顶部对齐，依据上一个盒子的右边界来定位的，</a:t>
+            </a:r>
+            <a:r>
+              <a:rPr lang="zh-CN" altLang="en-US" dirty="0">
+                <a:solidFill>
+                  <a:srgbClr val="FF0000"/>
+                </a:solidFill>
+              </a:rPr>
+              <a:t>每个盒子都会往前查找</a:t>
+            </a:r>
+            <a:r>
+              <a:rPr lang="zh-CN" altLang="en-US" dirty="0"/>
+              <a:t>，直到碰到页面</a:t>
+            </a:r>
+            <a:r>
+              <a:rPr lang="zh-CN" altLang="en-US" dirty="0" smtClean="0"/>
+              <a:t>边界</a:t>
+            </a:r>
+            <a:endParaRPr lang="en-US" altLang="zh-CN" dirty="0" smtClean="0"/>
+          </a:p>
+          <a:p>
+            <a:r>
+              <a:rPr lang="en-US" altLang="zh-CN" dirty="0"/>
+              <a:t>https://blog.csdn.net/weixin_40204906/article/details/79536902</a:t>
+            </a:r>
+          </a:p>
+          <a:p>
+            <a:r>
+              <a:rPr lang="en-US" altLang="zh-CN" dirty="0"/>
+              <a:t>https://blog.csdn.net/qq1084235321/article/details/88805693</a:t>
+            </a:r>
+            <a:endParaRPr lang="en-US" altLang="zh-CN" dirty="0" smtClean="0"/>
+          </a:p>
+          <a:p>
+            <a:r>
+              <a:rPr lang="zh-CN" altLang="en-US" dirty="0" smtClean="0"/>
+              <a:t>例</a:t>
+            </a:r>
+            <a:r>
+              <a:rPr lang="en-US" altLang="zh-CN" dirty="0" smtClean="0"/>
+              <a:t>19</a:t>
+            </a:r>
+            <a:endParaRPr lang="zh-CN" altLang="en-US" dirty="0"/>
+          </a:p>
+        </p:txBody>
+      </p:sp>
+    </p:spTree>
+    <p:extLst>
+      <p:ext uri="{BB962C8B-B14F-4D97-AF65-F5344CB8AC3E}">
+        <p14:creationId xmlns:p14="http://schemas.microsoft.com/office/powerpoint/2010/main" val="4190395223"/>
+      </p:ext>
+    </p:extLst>
+  </p:cSld>
+  <p:clrMapOvr>
+    <a:masterClrMapping/>
+  </p:clrMapOvr>
+</p:sld>
+</file>
+
+<file path=ppt/slides/slide9.xml><?xml version="1.0" encoding="utf-8"?>
 <p:sld xmlns:a="http://schemas.openxmlformats.org/drawingml/2006/main" xmlns:r="http://schemas.openxmlformats.org/officeDocument/2006/relationships" xmlns:p="http://schemas.openxmlformats.org/presentationml/2006/main">
   <p:cSld>
     <p:spTree>
